--- a/dokumentation_things/writing/Roadmap Bachelor thesis.pptx
+++ b/dokumentation_things/writing/Roadmap Bachelor thesis.pptx
@@ -6,10 +6,10 @@
     <p:sldMasterId id="2147483720" r:id="rId2"/>
   </p:sldMasterIdLst>
   <p:notesMasterIdLst>
-    <p:notesMasterId r:id="rId23"/>
+    <p:notesMasterId r:id="rId24"/>
   </p:notesMasterIdLst>
   <p:handoutMasterIdLst>
-    <p:handoutMasterId r:id="rId24"/>
+    <p:handoutMasterId r:id="rId25"/>
   </p:handoutMasterIdLst>
   <p:sldIdLst>
     <p:sldId id="384" r:id="rId3"/>
@@ -32,11 +32,12 @@
     <p:sldId id="389" r:id="rId20"/>
     <p:sldId id="390" r:id="rId21"/>
     <p:sldId id="391" r:id="rId22"/>
+    <p:sldId id="392" r:id="rId23"/>
   </p:sldIdLst>
   <p:sldSz cx="12192000" cy="6858000"/>
   <p:notesSz cx="6858000" cy="9144000"/>
   <p:custDataLst>
-    <p:tags r:id="rId25"/>
+    <p:tags r:id="rId26"/>
   </p:custDataLst>
   <p:defaultTextStyle>
     <a:defPPr>
@@ -162,6 +163,7 @@
             <p14:sldId id="389"/>
             <p14:sldId id="390"/>
             <p14:sldId id="391"/>
+            <p14:sldId id="392"/>
           </p14:sldIdLst>
         </p14:section>
       </p14:sectionLst>
@@ -288,7 +290,7 @@
               <a:rPr lang="de-DE" smtClean="0">
                 <a:latin typeface="BMWGroupTN Condensed" pitchFamily="50" charset="0"/>
               </a:rPr>
-              <a:t>26.07.2024</a:t>
+              <a:t>01.08.2024</a:t>
             </a:fld>
             <a:endParaRPr lang="de-DE" dirty="0">
               <a:latin typeface="BMWGroupTN Condensed" pitchFamily="50" charset="0"/>
@@ -466,7 +468,7 @@
             <a:fld id="{C9ACC0F7-209C-4EE4-A1D5-BFF0CBCA9BC3}" type="datetimeFigureOut">
               <a:rPr lang="de-DE" smtClean="0"/>
               <a:pPr/>
-              <a:t>26.07.2024</a:t>
+              <a:t>01.08.2024</a:t>
             </a:fld>
             <a:endParaRPr lang="de-DE" dirty="0"/>
           </a:p>
@@ -814,6 +816,91 @@
     <p:extLst>
       <p:ext uri="{BB962C8B-B14F-4D97-AF65-F5344CB8AC3E}">
         <p14:creationId xmlns:p14="http://schemas.microsoft.com/office/powerpoint/2010/main" val="3326920486"/>
+      </p:ext>
+    </p:extLst>
+  </p:cSld>
+  <p:clrMapOvr>
+    <a:masterClrMapping/>
+  </p:clrMapOvr>
+</p:notes>
+</file>
+
+<file path=ppt/notesSlides/notesSlide10.xml><?xml version="1.0" encoding="utf-8"?>
+<p:notes xmlns:a="http://schemas.openxmlformats.org/drawingml/2006/main" xmlns:r="http://schemas.openxmlformats.org/officeDocument/2006/relationships" xmlns:p="http://schemas.openxmlformats.org/presentationml/2006/main">
+  <p:cSld>
+    <p:spTree>
+      <p:nvGrpSpPr>
+        <p:cNvPr id="1" name=""/>
+        <p:cNvGrpSpPr/>
+        <p:nvPr/>
+      </p:nvGrpSpPr>
+      <p:grpSpPr>
+        <a:xfrm>
+          <a:off x="0" y="0"/>
+          <a:ext cx="0" cy="0"/>
+          <a:chOff x="0" y="0"/>
+          <a:chExt cx="0" cy="0"/>
+        </a:xfrm>
+      </p:grpSpPr>
+      <p:sp>
+        <p:nvSpPr>
+          <p:cNvPr id="2" name="Slide Image Placeholder 1"/>
+          <p:cNvSpPr>
+            <a:spLocks noGrp="1" noRot="1" noChangeAspect="1"/>
+          </p:cNvSpPr>
+          <p:nvPr>
+            <p:ph type="sldImg"/>
+          </p:nvPr>
+        </p:nvSpPr>
+        <p:spPr/>
+      </p:sp>
+      <p:sp>
+        <p:nvSpPr>
+          <p:cNvPr id="3" name="Notes Placeholder 2"/>
+          <p:cNvSpPr>
+            <a:spLocks noGrp="1"/>
+          </p:cNvSpPr>
+          <p:nvPr>
+            <p:ph type="body" idx="1"/>
+          </p:nvPr>
+        </p:nvSpPr>
+        <p:spPr/>
+        <p:txBody>
+          <a:bodyPr/>
+          <a:lstStyle/>
+          <a:p>
+            <a:endParaRPr lang="en-US" dirty="0"/>
+          </a:p>
+        </p:txBody>
+      </p:sp>
+      <p:sp>
+        <p:nvSpPr>
+          <p:cNvPr id="4" name="Slide Number Placeholder 3"/>
+          <p:cNvSpPr>
+            <a:spLocks noGrp="1"/>
+          </p:cNvSpPr>
+          <p:nvPr>
+            <p:ph type="sldNum" sz="quarter" idx="5"/>
+          </p:nvPr>
+        </p:nvSpPr>
+        <p:spPr/>
+        <p:txBody>
+          <a:bodyPr/>
+          <a:lstStyle/>
+          <a:p>
+            <a:fld id="{845B7A2B-9D63-4AB1-9A7A-EE5F31796489}" type="slidenum">
+              <a:rPr lang="de-DE" smtClean="0"/>
+              <a:pPr/>
+              <a:t>21</a:t>
+            </a:fld>
+            <a:endParaRPr lang="de-DE" dirty="0"/>
+          </a:p>
+        </p:txBody>
+      </p:sp>
+    </p:spTree>
+    <p:extLst>
+      <p:ext uri="{BB962C8B-B14F-4D97-AF65-F5344CB8AC3E}">
+        <p14:creationId xmlns:p14="http://schemas.microsoft.com/office/powerpoint/2010/main" val="2528582489"/>
       </p:ext>
     </p:extLst>
   </p:cSld>
@@ -29110,7 +29197,7 @@
                 <a:ea typeface="+mj-ea"/>
                 <a:cs typeface="+mj-cs"/>
               </a:rPr>
-              <a:t>Entwicklung eines KI-Systems zur Klassifizierung von Fehlerursachen in Massiven Log Files einer CI-Umgebung</a:t>
+              <a:t>Entwicklung eines KI-Systems zur Klassifizierung von Fehlerursachen in Umfangreichen Log Files einer CI-Umgebung</a:t>
             </a:r>
           </a:p>
         </p:txBody>
@@ -36876,6 +36963,718 @@
     <p:extLst>
       <p:ext uri="{BB962C8B-B14F-4D97-AF65-F5344CB8AC3E}">
         <p14:creationId xmlns:p14="http://schemas.microsoft.com/office/powerpoint/2010/main" val="2606522743"/>
+      </p:ext>
+    </p:extLst>
+  </p:cSld>
+  <p:clrMapOvr>
+    <a:masterClrMapping/>
+  </p:clrMapOvr>
+</p:sld>
+</file>
+
+<file path=ppt/slides/slide21.xml><?xml version="1.0" encoding="utf-8"?>
+<p:sld xmlns:a="http://schemas.openxmlformats.org/drawingml/2006/main" xmlns:r="http://schemas.openxmlformats.org/officeDocument/2006/relationships" xmlns:p="http://schemas.openxmlformats.org/presentationml/2006/main">
+  <p:cSld>
+    <p:spTree>
+      <p:nvGrpSpPr>
+        <p:cNvPr id="1" name=""/>
+        <p:cNvGrpSpPr/>
+        <p:nvPr/>
+      </p:nvGrpSpPr>
+      <p:grpSpPr>
+        <a:xfrm>
+          <a:off x="0" y="0"/>
+          <a:ext cx="0" cy="0"/>
+          <a:chOff x="0" y="0"/>
+          <a:chExt cx="0" cy="0"/>
+        </a:xfrm>
+      </p:grpSpPr>
+      <p:sp>
+        <p:nvSpPr>
+          <p:cNvPr id="2" name="Title 1">
+            <a:extLst>
+              <a:ext uri="{FF2B5EF4-FFF2-40B4-BE49-F238E27FC236}">
+                <a16:creationId xmlns:a16="http://schemas.microsoft.com/office/drawing/2014/main" id="{A0BCD0E7-992F-D230-BFCE-EE107DFECD6B}"/>
+              </a:ext>
+            </a:extLst>
+          </p:cNvPr>
+          <p:cNvSpPr>
+            <a:spLocks noGrp="1"/>
+          </p:cNvSpPr>
+          <p:nvPr>
+            <p:ph type="title"/>
+          </p:nvPr>
+        </p:nvSpPr>
+        <p:spPr/>
+        <p:txBody>
+          <a:bodyPr/>
+          <a:lstStyle/>
+          <a:p>
+            <a:r>
+              <a:rPr lang="de-DE" dirty="0"/>
+              <a:t>Notes BA-</a:t>
+            </a:r>
+            <a:r>
+              <a:rPr lang="de-DE" dirty="0" err="1"/>
+              <a:t>Sync</a:t>
+            </a:r>
+            <a:r>
+              <a:rPr lang="de-DE" dirty="0"/>
+              <a:t> – 01.08.2024</a:t>
+            </a:r>
+            <a:endParaRPr lang="en-US" dirty="0"/>
+          </a:p>
+        </p:txBody>
+      </p:sp>
+      <p:sp>
+        <p:nvSpPr>
+          <p:cNvPr id="4" name="TextBox 3">
+            <a:extLst>
+              <a:ext uri="{FF2B5EF4-FFF2-40B4-BE49-F238E27FC236}">
+                <a16:creationId xmlns:a16="http://schemas.microsoft.com/office/drawing/2014/main" id="{B63C4676-3485-9FE4-56D0-08DD65E49FAC}"/>
+              </a:ext>
+            </a:extLst>
+          </p:cNvPr>
+          <p:cNvSpPr txBox="1"/>
+          <p:nvPr/>
+        </p:nvSpPr>
+        <p:spPr>
+          <a:xfrm>
+            <a:off x="580054" y="747294"/>
+            <a:ext cx="4392387" cy="161583"/>
+          </a:xfrm>
+          <a:prstGeom prst="rect">
+            <a:avLst/>
+          </a:prstGeom>
+        </p:spPr>
+        <p:txBody>
+          <a:bodyPr vert="horz" wrap="square" lIns="0" tIns="0" rIns="0" bIns="0" rtlCol="0">
+            <a:spAutoFit/>
+          </a:bodyPr>
+          <a:lstStyle/>
+          <a:p>
+            <a:pPr marL="0" indent="0" algn="l" defTabSz="914400" rtl="0" eaLnBrk="1" latinLnBrk="0" hangingPunct="1">
+              <a:lnSpc>
+                <a:spcPct val="100000"/>
+              </a:lnSpc>
+              <a:spcBef>
+                <a:spcPts val="0"/>
+              </a:spcBef>
+              <a:spcAft>
+                <a:spcPts val="600"/>
+              </a:spcAft>
+              <a:buClr>
+                <a:schemeClr val="tx2"/>
+              </a:buClr>
+              <a:buFontTx/>
+              <a:buNone/>
+            </a:pPr>
+            <a:r>
+              <a:rPr lang="de-DE" sz="1050" kern="1200" dirty="0">
+                <a:solidFill>
+                  <a:schemeClr val="accent2"/>
+                </a:solidFill>
+                <a:latin typeface="+mn-lt"/>
+                <a:ea typeface="+mn-ea"/>
+                <a:cs typeface="+mn-cs"/>
+              </a:rPr>
+              <a:t>https://cc-github.bmwgroup.net/carmenwerrlein/bachelor_thesis.git </a:t>
+            </a:r>
+            <a:endParaRPr lang="en-US" sz="1050" kern="1200" dirty="0" err="1">
+              <a:solidFill>
+                <a:schemeClr val="accent2"/>
+              </a:solidFill>
+              <a:latin typeface="+mn-lt"/>
+              <a:ea typeface="+mn-ea"/>
+              <a:cs typeface="+mn-cs"/>
+            </a:endParaRPr>
+          </a:p>
+        </p:txBody>
+      </p:sp>
+      <p:sp>
+        <p:nvSpPr>
+          <p:cNvPr id="3" name="TextBox 2">
+            <a:extLst>
+              <a:ext uri="{FF2B5EF4-FFF2-40B4-BE49-F238E27FC236}">
+                <a16:creationId xmlns:a16="http://schemas.microsoft.com/office/drawing/2014/main" id="{47BE0209-0C1E-C9F4-6B3D-561194EFECA7}"/>
+              </a:ext>
+            </a:extLst>
+          </p:cNvPr>
+          <p:cNvSpPr txBox="1"/>
+          <p:nvPr/>
+        </p:nvSpPr>
+        <p:spPr>
+          <a:xfrm>
+            <a:off x="478972" y="4756490"/>
+            <a:ext cx="11450504" cy="1754326"/>
+          </a:xfrm>
+          <a:prstGeom prst="rect">
+            <a:avLst/>
+          </a:prstGeom>
+          <a:noFill/>
+        </p:spPr>
+        <p:txBody>
+          <a:bodyPr wrap="square">
+            <a:spAutoFit/>
+          </a:bodyPr>
+          <a:lstStyle/>
+          <a:p>
+            <a:r>
+              <a:rPr lang="en-US" dirty="0">
+                <a:solidFill>
+                  <a:schemeClr val="tx1">
+                    <a:lumMod val="65000"/>
+                    <a:lumOff val="35000"/>
+                  </a:schemeClr>
+                </a:solidFill>
+                <a:latin typeface="Abadi" panose="020B0604020104020204" pitchFamily="34" charset="0"/>
+              </a:rPr>
+              <a:t>OPEN :</a:t>
+            </a:r>
+          </a:p>
+          <a:p>
+            <a:pPr marL="285750" indent="-285750">
+              <a:buFontTx/>
+              <a:buChar char="-"/>
+            </a:pPr>
+            <a:r>
+              <a:rPr lang="en-US" dirty="0">
+                <a:solidFill>
+                  <a:schemeClr val="tx1">
+                    <a:lumMod val="65000"/>
+                    <a:lumOff val="35000"/>
+                  </a:schemeClr>
+                </a:solidFill>
+                <a:latin typeface="Abadi" panose="020B0604020104020204" pitchFamily="34" charset="0"/>
+              </a:rPr>
+              <a:t>Label „playbook errors“ manually? Label at all? Semi-supervised? Reinforcement Approach? </a:t>
+            </a:r>
+          </a:p>
+          <a:p>
+            <a:pPr marL="285750" indent="-285750">
+              <a:buFontTx/>
+              <a:buChar char="-"/>
+            </a:pPr>
+            <a:r>
+              <a:rPr lang="en-US" dirty="0">
+                <a:solidFill>
+                  <a:schemeClr val="tx1">
+                    <a:lumMod val="65000"/>
+                    <a:lumOff val="35000"/>
+                  </a:schemeClr>
+                </a:solidFill>
+                <a:latin typeface="Abadi" panose="020B0604020104020204" pitchFamily="34" charset="0"/>
+              </a:rPr>
+              <a:t>Model: Classify with confidence? Without?</a:t>
+            </a:r>
+          </a:p>
+          <a:p>
+            <a:pPr marL="285750" indent="-285750">
+              <a:buFontTx/>
+              <a:buChar char="-"/>
+            </a:pPr>
+            <a:r>
+              <a:rPr lang="en-US" dirty="0">
+                <a:solidFill>
+                  <a:schemeClr val="tx1">
+                    <a:lumMod val="65000"/>
+                    <a:lumOff val="35000"/>
+                  </a:schemeClr>
+                </a:solidFill>
+                <a:latin typeface="Abadi" panose="020B0604020104020204" pitchFamily="34" charset="0"/>
+              </a:rPr>
+              <a:t>Performance optimization for preprocessing and labeling script</a:t>
+            </a:r>
+          </a:p>
+          <a:p>
+            <a:pPr marL="285750" indent="-285750">
+              <a:buFontTx/>
+              <a:buChar char="-"/>
+            </a:pPr>
+            <a:r>
+              <a:rPr lang="en-US" dirty="0">
+                <a:solidFill>
+                  <a:schemeClr val="tx1">
+                    <a:lumMod val="65000"/>
+                    <a:lumOff val="35000"/>
+                  </a:schemeClr>
+                </a:solidFill>
+                <a:latin typeface="Abadi" panose="020B0604020104020204" pitchFamily="34" charset="0"/>
+              </a:rPr>
+              <a:t>Improve downloading script (List, download multiple)</a:t>
+            </a:r>
+          </a:p>
+          <a:p>
+            <a:pPr marL="285750" indent="-285750">
+              <a:buFontTx/>
+              <a:buChar char="-"/>
+            </a:pPr>
+            <a:r>
+              <a:rPr lang="en-US" dirty="0">
+                <a:solidFill>
+                  <a:schemeClr val="tx1">
+                    <a:lumMod val="65000"/>
+                    <a:lumOff val="35000"/>
+                  </a:schemeClr>
+                </a:solidFill>
+                <a:latin typeface="Abadi" panose="020B0604020104020204" pitchFamily="34" charset="0"/>
+              </a:rPr>
+              <a:t>Get to know B-Ilda 4 (JC-31 Builder with RTX A4000) &amp; start downloading</a:t>
+            </a:r>
+          </a:p>
+        </p:txBody>
+      </p:sp>
+      <p:sp>
+        <p:nvSpPr>
+          <p:cNvPr id="6" name="TextBox 5">
+            <a:extLst>
+              <a:ext uri="{FF2B5EF4-FFF2-40B4-BE49-F238E27FC236}">
+                <a16:creationId xmlns:a16="http://schemas.microsoft.com/office/drawing/2014/main" id="{BCEB8588-081A-F2B8-4C4A-AAF3B6F525B5}"/>
+              </a:ext>
+            </a:extLst>
+          </p:cNvPr>
+          <p:cNvSpPr txBox="1"/>
+          <p:nvPr/>
+        </p:nvSpPr>
+        <p:spPr>
+          <a:xfrm>
+            <a:off x="478972" y="1024293"/>
+            <a:ext cx="9248502" cy="4431983"/>
+          </a:xfrm>
+          <a:prstGeom prst="rect">
+            <a:avLst/>
+          </a:prstGeom>
+        </p:spPr>
+        <p:txBody>
+          <a:bodyPr vert="horz" wrap="square" lIns="0" tIns="0" rIns="0" bIns="0" rtlCol="0">
+            <a:spAutoFit/>
+          </a:bodyPr>
+          <a:lstStyle/>
+          <a:p>
+            <a:r>
+              <a:rPr lang="en-US" dirty="0">
+                <a:solidFill>
+                  <a:schemeClr val="tx1">
+                    <a:lumMod val="65000"/>
+                    <a:lumOff val="35000"/>
+                  </a:schemeClr>
+                </a:solidFill>
+                <a:latin typeface="Abadi" panose="020B0604020104020204" pitchFamily="34" charset="0"/>
+              </a:rPr>
+              <a:t>PROGRESS:</a:t>
+            </a:r>
+          </a:p>
+          <a:p>
+            <a:pPr marL="285750" indent="-285750">
+              <a:buFontTx/>
+              <a:buChar char="-"/>
+            </a:pPr>
+            <a:r>
+              <a:rPr lang="en-US" b="1" dirty="0">
+                <a:solidFill>
+                  <a:schemeClr val="tx1">
+                    <a:lumMod val="65000"/>
+                    <a:lumOff val="35000"/>
+                  </a:schemeClr>
+                </a:solidFill>
+                <a:latin typeface="Abadi" panose="020B0604020104020204" pitchFamily="34" charset="0"/>
+              </a:rPr>
+              <a:t>Functional</a:t>
+            </a:r>
+            <a:r>
+              <a:rPr lang="en-US" dirty="0">
+                <a:solidFill>
+                  <a:schemeClr val="tx1">
+                    <a:lumMod val="65000"/>
+                    <a:lumOff val="35000"/>
+                  </a:schemeClr>
+                </a:solidFill>
+                <a:latin typeface="Abadi" panose="020B0604020104020204" pitchFamily="34" charset="0"/>
+              </a:rPr>
+              <a:t> Workflow:</a:t>
+            </a:r>
+          </a:p>
+          <a:p>
+            <a:pPr marL="800100" lvl="1" indent="-342900">
+              <a:buAutoNum type="arabicPeriod"/>
+            </a:pPr>
+            <a:r>
+              <a:rPr lang="en-US" dirty="0">
+                <a:solidFill>
+                  <a:schemeClr val="tx1">
+                    <a:lumMod val="65000"/>
+                    <a:lumOff val="35000"/>
+                  </a:schemeClr>
+                </a:solidFill>
+                <a:latin typeface="Abadi" panose="020B0604020104020204" pitchFamily="34" charset="0"/>
+              </a:rPr>
+              <a:t>Downloading x random, new logs from </a:t>
+            </a:r>
+            <a:r>
+              <a:rPr lang="en-US" dirty="0" err="1">
+                <a:solidFill>
+                  <a:schemeClr val="tx1">
+                    <a:lumMod val="65000"/>
+                    <a:lumOff val="35000"/>
+                  </a:schemeClr>
+                </a:solidFill>
+                <a:latin typeface="Abadi" panose="020B0604020104020204" pitchFamily="34" charset="0"/>
+              </a:rPr>
+              <a:t>aws</a:t>
+            </a:r>
+            <a:r>
+              <a:rPr lang="en-US" dirty="0">
+                <a:solidFill>
+                  <a:schemeClr val="tx1">
+                    <a:lumMod val="65000"/>
+                    <a:lumOff val="35000"/>
+                  </a:schemeClr>
+                </a:solidFill>
+                <a:latin typeface="Abadi" panose="020B0604020104020204" pitchFamily="34" charset="0"/>
+              </a:rPr>
+              <a:t> bucket (download_rand_new_objects.py)</a:t>
+            </a:r>
+          </a:p>
+          <a:p>
+            <a:pPr marL="800100" lvl="1" indent="-342900">
+              <a:buAutoNum type="arabicPeriod"/>
+            </a:pPr>
+            <a:endParaRPr lang="en-US" dirty="0">
+              <a:solidFill>
+                <a:schemeClr val="tx1">
+                  <a:lumMod val="65000"/>
+                  <a:lumOff val="35000"/>
+                </a:schemeClr>
+              </a:solidFill>
+              <a:latin typeface="Abadi" panose="020B0604020104020204" pitchFamily="34" charset="0"/>
+            </a:endParaRPr>
+          </a:p>
+          <a:p>
+            <a:pPr marL="800100" lvl="1" indent="-342900">
+              <a:buAutoNum type="arabicPeriod"/>
+            </a:pPr>
+            <a:endParaRPr lang="en-US" dirty="0">
+              <a:solidFill>
+                <a:schemeClr val="tx1">
+                  <a:lumMod val="65000"/>
+                  <a:lumOff val="35000"/>
+                </a:schemeClr>
+              </a:solidFill>
+              <a:latin typeface="Abadi" panose="020B0604020104020204" pitchFamily="34" charset="0"/>
+            </a:endParaRPr>
+          </a:p>
+          <a:p>
+            <a:pPr marL="800100" lvl="1" indent="-342900">
+              <a:buAutoNum type="arabicPeriod"/>
+            </a:pPr>
+            <a:endParaRPr lang="en-US" dirty="0">
+              <a:solidFill>
+                <a:schemeClr val="tx1">
+                  <a:lumMod val="65000"/>
+                  <a:lumOff val="35000"/>
+                </a:schemeClr>
+              </a:solidFill>
+              <a:latin typeface="Abadi" panose="020B0604020104020204" pitchFamily="34" charset="0"/>
+            </a:endParaRPr>
+          </a:p>
+          <a:p>
+            <a:pPr marL="800100" lvl="1" indent="-342900">
+              <a:buAutoNum type="arabicPeriod"/>
+            </a:pPr>
+            <a:endParaRPr lang="en-US" dirty="0">
+              <a:solidFill>
+                <a:schemeClr val="tx1">
+                  <a:lumMod val="65000"/>
+                  <a:lumOff val="35000"/>
+                </a:schemeClr>
+              </a:solidFill>
+              <a:latin typeface="Abadi" panose="020B0604020104020204" pitchFamily="34" charset="0"/>
+            </a:endParaRPr>
+          </a:p>
+          <a:p>
+            <a:pPr marL="800100" lvl="1" indent="-342900">
+              <a:buAutoNum type="arabicPeriod"/>
+            </a:pPr>
+            <a:r>
+              <a:rPr lang="en-US" dirty="0">
+                <a:solidFill>
+                  <a:schemeClr val="tx1">
+                    <a:lumMod val="65000"/>
+                    <a:lumOff val="35000"/>
+                  </a:schemeClr>
+                </a:solidFill>
+                <a:latin typeface="Abadi" panose="020B0604020104020204" pitchFamily="34" charset="0"/>
+              </a:rPr>
+              <a:t>Crop logs to relevant parts (</a:t>
+            </a:r>
+            <a:r>
+              <a:rPr lang="en-US" dirty="0" err="1">
+                <a:solidFill>
+                  <a:schemeClr val="tx1">
+                    <a:lumMod val="65000"/>
+                    <a:lumOff val="35000"/>
+                  </a:schemeClr>
+                </a:solidFill>
+                <a:latin typeface="Abadi" panose="020B0604020104020204" pitchFamily="34" charset="0"/>
+              </a:rPr>
+              <a:t>crop_logs.ipynb</a:t>
+            </a:r>
+            <a:r>
+              <a:rPr lang="en-US" dirty="0">
+                <a:solidFill>
+                  <a:schemeClr val="tx1">
+                    <a:lumMod val="65000"/>
+                    <a:lumOff val="35000"/>
+                  </a:schemeClr>
+                </a:solidFill>
+                <a:latin typeface="Abadi" panose="020B0604020104020204" pitchFamily="34" charset="0"/>
+              </a:rPr>
+              <a:t>) &amp; safe in </a:t>
+            </a:r>
+            <a:r>
+              <a:rPr lang="en-US" dirty="0" err="1">
+                <a:solidFill>
+                  <a:schemeClr val="tx1">
+                    <a:lumMod val="65000"/>
+                    <a:lumOff val="35000"/>
+                  </a:schemeClr>
+                </a:solidFill>
+                <a:latin typeface="Abadi" panose="020B0604020104020204" pitchFamily="34" charset="0"/>
+              </a:rPr>
+              <a:t>preprocessed_logs</a:t>
+            </a:r>
+            <a:endParaRPr lang="en-US" dirty="0">
+              <a:solidFill>
+                <a:schemeClr val="tx1">
+                  <a:lumMod val="65000"/>
+                  <a:lumOff val="35000"/>
+                </a:schemeClr>
+              </a:solidFill>
+              <a:latin typeface="Abadi" panose="020B0604020104020204" pitchFamily="34" charset="0"/>
+            </a:endParaRPr>
+          </a:p>
+          <a:p>
+            <a:pPr marL="800100" lvl="1" indent="-342900">
+              <a:buAutoNum type="arabicPeriod"/>
+            </a:pPr>
+            <a:r>
+              <a:rPr lang="en-US" dirty="0">
+                <a:solidFill>
+                  <a:schemeClr val="tx1">
+                    <a:lumMod val="65000"/>
+                    <a:lumOff val="35000"/>
+                  </a:schemeClr>
+                </a:solidFill>
+                <a:latin typeface="Abadi" panose="020B0604020104020204" pitchFamily="34" charset="0"/>
+              </a:rPr>
+              <a:t>Add label to preprocessed logs (</a:t>
+            </a:r>
+            <a:r>
+              <a:rPr lang="en-US" dirty="0" err="1">
+                <a:solidFill>
+                  <a:schemeClr val="tx1">
+                    <a:lumMod val="65000"/>
+                    <a:lumOff val="35000"/>
+                  </a:schemeClr>
+                </a:solidFill>
+                <a:latin typeface="Abadi" panose="020B0604020104020204" pitchFamily="34" charset="0"/>
+              </a:rPr>
+              <a:t>data_labeling.ipynb</a:t>
+            </a:r>
+            <a:r>
+              <a:rPr lang="en-US" dirty="0">
+                <a:solidFill>
+                  <a:schemeClr val="tx1">
+                    <a:lumMod val="65000"/>
+                    <a:lumOff val="35000"/>
+                  </a:schemeClr>
+                </a:solidFill>
+                <a:latin typeface="Abadi" panose="020B0604020104020204" pitchFamily="34" charset="0"/>
+              </a:rPr>
+              <a:t>) </a:t>
+            </a:r>
+          </a:p>
+          <a:p>
+            <a:pPr marL="800100" lvl="1" indent="-342900">
+              <a:buAutoNum type="arabicPeriod"/>
+            </a:pPr>
+            <a:r>
+              <a:rPr lang="en-US" dirty="0">
+                <a:solidFill>
+                  <a:schemeClr val="tx1">
+                    <a:lumMod val="65000"/>
+                    <a:lumOff val="35000"/>
+                  </a:schemeClr>
+                </a:solidFill>
+                <a:latin typeface="Abadi" panose="020B0604020104020204" pitchFamily="34" charset="0"/>
+              </a:rPr>
+              <a:t>Extended built-in tokenizer with domain specific vocabulary from preprocessed logs</a:t>
+            </a:r>
+          </a:p>
+          <a:p>
+            <a:pPr marL="800100" lvl="1" indent="-342900">
+              <a:buAutoNum type="arabicPeriod"/>
+            </a:pPr>
+            <a:endParaRPr lang="en-US" dirty="0">
+              <a:solidFill>
+                <a:schemeClr val="tx1">
+                  <a:lumMod val="65000"/>
+                  <a:lumOff val="35000"/>
+                </a:schemeClr>
+              </a:solidFill>
+              <a:latin typeface="Abadi" panose="020B0604020104020204" pitchFamily="34" charset="0"/>
+            </a:endParaRPr>
+          </a:p>
+          <a:p>
+            <a:pPr marL="800100" lvl="1" indent="-342900">
+              <a:buAutoNum type="arabicPeriod"/>
+            </a:pPr>
+            <a:endParaRPr lang="en-US" dirty="0">
+              <a:solidFill>
+                <a:schemeClr val="tx1">
+                  <a:lumMod val="65000"/>
+                  <a:lumOff val="35000"/>
+                </a:schemeClr>
+              </a:solidFill>
+              <a:latin typeface="Abadi" panose="020B0604020104020204" pitchFamily="34" charset="0"/>
+            </a:endParaRPr>
+          </a:p>
+          <a:p>
+            <a:pPr marL="800100" lvl="1" indent="-342900">
+              <a:buAutoNum type="arabicPeriod"/>
+            </a:pPr>
+            <a:r>
+              <a:rPr lang="en-US" dirty="0">
+                <a:solidFill>
+                  <a:schemeClr val="tx1">
+                    <a:lumMod val="65000"/>
+                    <a:lumOff val="35000"/>
+                  </a:schemeClr>
+                </a:solidFill>
+                <a:latin typeface="Abadi" panose="020B0604020104020204" pitchFamily="34" charset="0"/>
+              </a:rPr>
+              <a:t>Next Steps: Use custom tokenizer to create a baseline-model, then fine tune!</a:t>
+            </a:r>
+          </a:p>
+          <a:p>
+            <a:pPr lvl="1"/>
+            <a:endParaRPr lang="en-US" dirty="0">
+              <a:solidFill>
+                <a:schemeClr val="tx1">
+                  <a:lumMod val="65000"/>
+                  <a:lumOff val="35000"/>
+                </a:schemeClr>
+              </a:solidFill>
+              <a:latin typeface="Abadi" panose="020B0604020104020204" pitchFamily="34" charset="0"/>
+            </a:endParaRPr>
+          </a:p>
+          <a:p>
+            <a:pPr marL="800100" lvl="1" indent="-342900">
+              <a:buAutoNum type="arabicPeriod"/>
+            </a:pPr>
+            <a:endParaRPr lang="en-US" dirty="0">
+              <a:solidFill>
+                <a:schemeClr val="tx1">
+                  <a:lumMod val="65000"/>
+                  <a:lumOff val="35000"/>
+                </a:schemeClr>
+              </a:solidFill>
+              <a:latin typeface="Abadi" panose="020B0604020104020204" pitchFamily="34" charset="0"/>
+            </a:endParaRPr>
+          </a:p>
+          <a:p>
+            <a:pPr marL="0" indent="0" algn="l" defTabSz="914400" rtl="0" eaLnBrk="1" latinLnBrk="0" hangingPunct="1">
+              <a:lnSpc>
+                <a:spcPct val="100000"/>
+              </a:lnSpc>
+              <a:spcBef>
+                <a:spcPts val="0"/>
+              </a:spcBef>
+              <a:spcAft>
+                <a:spcPts val="600"/>
+              </a:spcAft>
+              <a:buClr>
+                <a:schemeClr val="tx2"/>
+              </a:buClr>
+              <a:buFontTx/>
+              <a:buNone/>
+            </a:pPr>
+            <a:endParaRPr lang="en-US" sz="1800" kern="1200" dirty="0" err="1">
+              <a:solidFill>
+                <a:schemeClr val="tx1">
+                  <a:lumMod val="65000"/>
+                  <a:lumOff val="35000"/>
+                </a:schemeClr>
+              </a:solidFill>
+              <a:latin typeface="Abadi" panose="020B0604020104020204" pitchFamily="34" charset="0"/>
+            </a:endParaRPr>
+          </a:p>
+        </p:txBody>
+      </p:sp>
+      <p:pic>
+        <p:nvPicPr>
+          <p:cNvPr id="8" name="Picture 7">
+            <a:extLst>
+              <a:ext uri="{FF2B5EF4-FFF2-40B4-BE49-F238E27FC236}">
+                <a16:creationId xmlns:a16="http://schemas.microsoft.com/office/drawing/2014/main" id="{A506DC70-A4A0-DC9B-E27A-7F8F74F08B26}"/>
+              </a:ext>
+            </a:extLst>
+          </p:cNvPr>
+          <p:cNvPicPr>
+            <a:picLocks noChangeAspect="1"/>
+          </p:cNvPicPr>
+          <p:nvPr/>
+        </p:nvPicPr>
+        <p:blipFill>
+          <a:blip r:embed="rId3"/>
+          <a:stretch>
+            <a:fillRect/>
+          </a:stretch>
+        </p:blipFill>
+        <p:spPr>
+          <a:xfrm>
+            <a:off x="1314994" y="1863389"/>
+            <a:ext cx="8917577" cy="981751"/>
+          </a:xfrm>
+          <a:prstGeom prst="rect">
+            <a:avLst/>
+          </a:prstGeom>
+        </p:spPr>
+      </p:pic>
+      <p:pic>
+        <p:nvPicPr>
+          <p:cNvPr id="11" name="Picture 10">
+            <a:extLst>
+              <a:ext uri="{FF2B5EF4-FFF2-40B4-BE49-F238E27FC236}">
+                <a16:creationId xmlns:a16="http://schemas.microsoft.com/office/drawing/2014/main" id="{B2562557-4C6D-8DBE-756D-CB1CABF50C81}"/>
+              </a:ext>
+            </a:extLst>
+          </p:cNvPr>
+          <p:cNvPicPr>
+            <a:picLocks noChangeAspect="1"/>
+          </p:cNvPicPr>
+          <p:nvPr/>
+        </p:nvPicPr>
+        <p:blipFill>
+          <a:blip r:embed="rId4"/>
+          <a:stretch>
+            <a:fillRect/>
+          </a:stretch>
+        </p:blipFill>
+        <p:spPr>
+          <a:xfrm>
+            <a:off x="1314994" y="3817571"/>
+            <a:ext cx="1657581" cy="390580"/>
+          </a:xfrm>
+          <a:prstGeom prst="rect">
+            <a:avLst/>
+          </a:prstGeom>
+        </p:spPr>
+      </p:pic>
+    </p:spTree>
+    <p:extLst>
+      <p:ext uri="{BB962C8B-B14F-4D97-AF65-F5344CB8AC3E}">
+        <p14:creationId xmlns:p14="http://schemas.microsoft.com/office/powerpoint/2010/main" val="3718996060"/>
       </p:ext>
     </p:extLst>
   </p:cSld>

--- a/dokumentation_things/writing/Roadmap Bachelor thesis.pptx
+++ b/dokumentation_things/writing/Roadmap Bachelor thesis.pptx
@@ -6,10 +6,10 @@
     <p:sldMasterId id="2147483720" r:id="rId2"/>
   </p:sldMasterIdLst>
   <p:notesMasterIdLst>
-    <p:notesMasterId r:id="rId24"/>
+    <p:notesMasterId r:id="rId25"/>
   </p:notesMasterIdLst>
   <p:handoutMasterIdLst>
-    <p:handoutMasterId r:id="rId25"/>
+    <p:handoutMasterId r:id="rId26"/>
   </p:handoutMasterIdLst>
   <p:sldIdLst>
     <p:sldId id="384" r:id="rId3"/>
@@ -33,11 +33,12 @@
     <p:sldId id="390" r:id="rId21"/>
     <p:sldId id="391" r:id="rId22"/>
     <p:sldId id="392" r:id="rId23"/>
+    <p:sldId id="393" r:id="rId24"/>
   </p:sldIdLst>
   <p:sldSz cx="12192000" cy="6858000"/>
   <p:notesSz cx="6858000" cy="9144000"/>
   <p:custDataLst>
-    <p:tags r:id="rId26"/>
+    <p:tags r:id="rId27"/>
   </p:custDataLst>
   <p:defaultTextStyle>
     <a:defPPr>
@@ -164,6 +165,7 @@
             <p14:sldId id="390"/>
             <p14:sldId id="391"/>
             <p14:sldId id="392"/>
+            <p14:sldId id="393"/>
           </p14:sldIdLst>
         </p14:section>
       </p14:sectionLst>
@@ -290,7 +292,7 @@
               <a:rPr lang="de-DE" smtClean="0">
                 <a:latin typeface="BMWGroupTN Condensed" pitchFamily="50" charset="0"/>
               </a:rPr>
-              <a:t>01.08.2024</a:t>
+              <a:t>06.08.2024</a:t>
             </a:fld>
             <a:endParaRPr lang="de-DE" dirty="0">
               <a:latin typeface="BMWGroupTN Condensed" pitchFamily="50" charset="0"/>
@@ -468,7 +470,7 @@
             <a:fld id="{C9ACC0F7-209C-4EE4-A1D5-BFF0CBCA9BC3}" type="datetimeFigureOut">
               <a:rPr lang="de-DE" smtClean="0"/>
               <a:pPr/>
-              <a:t>01.08.2024</a:t>
+              <a:t>06.08.2024</a:t>
             </a:fld>
             <a:endParaRPr lang="de-DE" dirty="0"/>
           </a:p>
@@ -901,6 +903,91 @@
     <p:extLst>
       <p:ext uri="{BB962C8B-B14F-4D97-AF65-F5344CB8AC3E}">
         <p14:creationId xmlns:p14="http://schemas.microsoft.com/office/powerpoint/2010/main" val="2528582489"/>
+      </p:ext>
+    </p:extLst>
+  </p:cSld>
+  <p:clrMapOvr>
+    <a:masterClrMapping/>
+  </p:clrMapOvr>
+</p:notes>
+</file>
+
+<file path=ppt/notesSlides/notesSlide11.xml><?xml version="1.0" encoding="utf-8"?>
+<p:notes xmlns:a="http://schemas.openxmlformats.org/drawingml/2006/main" xmlns:r="http://schemas.openxmlformats.org/officeDocument/2006/relationships" xmlns:p="http://schemas.openxmlformats.org/presentationml/2006/main">
+  <p:cSld>
+    <p:spTree>
+      <p:nvGrpSpPr>
+        <p:cNvPr id="1" name=""/>
+        <p:cNvGrpSpPr/>
+        <p:nvPr/>
+      </p:nvGrpSpPr>
+      <p:grpSpPr>
+        <a:xfrm>
+          <a:off x="0" y="0"/>
+          <a:ext cx="0" cy="0"/>
+          <a:chOff x="0" y="0"/>
+          <a:chExt cx="0" cy="0"/>
+        </a:xfrm>
+      </p:grpSpPr>
+      <p:sp>
+        <p:nvSpPr>
+          <p:cNvPr id="2" name="Slide Image Placeholder 1"/>
+          <p:cNvSpPr>
+            <a:spLocks noGrp="1" noRot="1" noChangeAspect="1"/>
+          </p:cNvSpPr>
+          <p:nvPr>
+            <p:ph type="sldImg"/>
+          </p:nvPr>
+        </p:nvSpPr>
+        <p:spPr/>
+      </p:sp>
+      <p:sp>
+        <p:nvSpPr>
+          <p:cNvPr id="3" name="Notes Placeholder 2"/>
+          <p:cNvSpPr>
+            <a:spLocks noGrp="1"/>
+          </p:cNvSpPr>
+          <p:nvPr>
+            <p:ph type="body" idx="1"/>
+          </p:nvPr>
+        </p:nvSpPr>
+        <p:spPr/>
+        <p:txBody>
+          <a:bodyPr/>
+          <a:lstStyle/>
+          <a:p>
+            <a:endParaRPr lang="en-US" dirty="0"/>
+          </a:p>
+        </p:txBody>
+      </p:sp>
+      <p:sp>
+        <p:nvSpPr>
+          <p:cNvPr id="4" name="Slide Number Placeholder 3"/>
+          <p:cNvSpPr>
+            <a:spLocks noGrp="1"/>
+          </p:cNvSpPr>
+          <p:nvPr>
+            <p:ph type="sldNum" sz="quarter" idx="5"/>
+          </p:nvPr>
+        </p:nvSpPr>
+        <p:spPr/>
+        <p:txBody>
+          <a:bodyPr/>
+          <a:lstStyle/>
+          <a:p>
+            <a:fld id="{845B7A2B-9D63-4AB1-9A7A-EE5F31796489}" type="slidenum">
+              <a:rPr lang="de-DE" smtClean="0"/>
+              <a:pPr/>
+              <a:t>22</a:t>
+            </a:fld>
+            <a:endParaRPr lang="de-DE" dirty="0"/>
+          </a:p>
+        </p:txBody>
+      </p:sp>
+    </p:spTree>
+    <p:extLst>
+      <p:ext uri="{BB962C8B-B14F-4D97-AF65-F5344CB8AC3E}">
+        <p14:creationId xmlns:p14="http://schemas.microsoft.com/office/powerpoint/2010/main" val="2280203812"/>
       </p:ext>
     </p:extLst>
   </p:cSld>
@@ -37675,6 +37762,423 @@
     <p:extLst>
       <p:ext uri="{BB962C8B-B14F-4D97-AF65-F5344CB8AC3E}">
         <p14:creationId xmlns:p14="http://schemas.microsoft.com/office/powerpoint/2010/main" val="3718996060"/>
+      </p:ext>
+    </p:extLst>
+  </p:cSld>
+  <p:clrMapOvr>
+    <a:masterClrMapping/>
+  </p:clrMapOvr>
+</p:sld>
+</file>
+
+<file path=ppt/slides/slide22.xml><?xml version="1.0" encoding="utf-8"?>
+<p:sld xmlns:a="http://schemas.openxmlformats.org/drawingml/2006/main" xmlns:r="http://schemas.openxmlformats.org/officeDocument/2006/relationships" xmlns:p="http://schemas.openxmlformats.org/presentationml/2006/main">
+  <p:cSld>
+    <p:spTree>
+      <p:nvGrpSpPr>
+        <p:cNvPr id="1" name=""/>
+        <p:cNvGrpSpPr/>
+        <p:nvPr/>
+      </p:nvGrpSpPr>
+      <p:grpSpPr>
+        <a:xfrm>
+          <a:off x="0" y="0"/>
+          <a:ext cx="0" cy="0"/>
+          <a:chOff x="0" y="0"/>
+          <a:chExt cx="0" cy="0"/>
+        </a:xfrm>
+      </p:grpSpPr>
+      <p:sp>
+        <p:nvSpPr>
+          <p:cNvPr id="2" name="Title 1">
+            <a:extLst>
+              <a:ext uri="{FF2B5EF4-FFF2-40B4-BE49-F238E27FC236}">
+                <a16:creationId xmlns:a16="http://schemas.microsoft.com/office/drawing/2014/main" id="{A0BCD0E7-992F-D230-BFCE-EE107DFECD6B}"/>
+              </a:ext>
+            </a:extLst>
+          </p:cNvPr>
+          <p:cNvSpPr>
+            <a:spLocks noGrp="1"/>
+          </p:cNvSpPr>
+          <p:nvPr>
+            <p:ph type="title"/>
+          </p:nvPr>
+        </p:nvSpPr>
+        <p:spPr/>
+        <p:txBody>
+          <a:bodyPr/>
+          <a:lstStyle/>
+          <a:p>
+            <a:r>
+              <a:rPr lang="de-DE" dirty="0"/>
+              <a:t>Notes BA-</a:t>
+            </a:r>
+            <a:r>
+              <a:rPr lang="de-DE" dirty="0" err="1"/>
+              <a:t>Sync</a:t>
+            </a:r>
+            <a:r>
+              <a:rPr lang="de-DE" dirty="0"/>
+              <a:t> – 09.08.2024</a:t>
+            </a:r>
+            <a:endParaRPr lang="en-US" dirty="0"/>
+          </a:p>
+        </p:txBody>
+      </p:sp>
+      <p:sp>
+        <p:nvSpPr>
+          <p:cNvPr id="4" name="TextBox 3">
+            <a:extLst>
+              <a:ext uri="{FF2B5EF4-FFF2-40B4-BE49-F238E27FC236}">
+                <a16:creationId xmlns:a16="http://schemas.microsoft.com/office/drawing/2014/main" id="{B63C4676-3485-9FE4-56D0-08DD65E49FAC}"/>
+              </a:ext>
+            </a:extLst>
+          </p:cNvPr>
+          <p:cNvSpPr txBox="1"/>
+          <p:nvPr/>
+        </p:nvSpPr>
+        <p:spPr>
+          <a:xfrm>
+            <a:off x="580054" y="747294"/>
+            <a:ext cx="4392387" cy="161583"/>
+          </a:xfrm>
+          <a:prstGeom prst="rect">
+            <a:avLst/>
+          </a:prstGeom>
+        </p:spPr>
+        <p:txBody>
+          <a:bodyPr vert="horz" wrap="square" lIns="0" tIns="0" rIns="0" bIns="0" rtlCol="0">
+            <a:spAutoFit/>
+          </a:bodyPr>
+          <a:lstStyle/>
+          <a:p>
+            <a:pPr marL="0" indent="0" algn="l" defTabSz="914400" rtl="0" eaLnBrk="1" latinLnBrk="0" hangingPunct="1">
+              <a:lnSpc>
+                <a:spcPct val="100000"/>
+              </a:lnSpc>
+              <a:spcBef>
+                <a:spcPts val="0"/>
+              </a:spcBef>
+              <a:spcAft>
+                <a:spcPts val="600"/>
+              </a:spcAft>
+              <a:buClr>
+                <a:schemeClr val="tx2"/>
+              </a:buClr>
+              <a:buFontTx/>
+              <a:buNone/>
+            </a:pPr>
+            <a:r>
+              <a:rPr lang="de-DE" sz="1050" kern="1200" dirty="0">
+                <a:solidFill>
+                  <a:schemeClr val="accent2"/>
+                </a:solidFill>
+                <a:latin typeface="+mn-lt"/>
+                <a:ea typeface="+mn-ea"/>
+                <a:cs typeface="+mn-cs"/>
+              </a:rPr>
+              <a:t>https://cc-github.bmwgroup.net/carmenwerrlein/bachelor_thesis.git </a:t>
+            </a:r>
+            <a:endParaRPr lang="en-US" sz="1050" kern="1200" dirty="0" err="1">
+              <a:solidFill>
+                <a:schemeClr val="accent2"/>
+              </a:solidFill>
+              <a:latin typeface="+mn-lt"/>
+              <a:ea typeface="+mn-ea"/>
+              <a:cs typeface="+mn-cs"/>
+            </a:endParaRPr>
+          </a:p>
+        </p:txBody>
+      </p:sp>
+      <p:sp>
+        <p:nvSpPr>
+          <p:cNvPr id="3" name="TextBox 2">
+            <a:extLst>
+              <a:ext uri="{FF2B5EF4-FFF2-40B4-BE49-F238E27FC236}">
+                <a16:creationId xmlns:a16="http://schemas.microsoft.com/office/drawing/2014/main" id="{47BE0209-0C1E-C9F4-6B3D-561194EFECA7}"/>
+              </a:ext>
+            </a:extLst>
+          </p:cNvPr>
+          <p:cNvSpPr txBox="1"/>
+          <p:nvPr/>
+        </p:nvSpPr>
+        <p:spPr>
+          <a:xfrm>
+            <a:off x="478972" y="4756490"/>
+            <a:ext cx="11450504" cy="1754326"/>
+          </a:xfrm>
+          <a:prstGeom prst="rect">
+            <a:avLst/>
+          </a:prstGeom>
+          <a:noFill/>
+        </p:spPr>
+        <p:txBody>
+          <a:bodyPr wrap="square">
+            <a:spAutoFit/>
+          </a:bodyPr>
+          <a:lstStyle/>
+          <a:p>
+            <a:r>
+              <a:rPr lang="en-US" dirty="0">
+                <a:solidFill>
+                  <a:schemeClr val="tx1">
+                    <a:lumMod val="65000"/>
+                    <a:lumOff val="35000"/>
+                  </a:schemeClr>
+                </a:solidFill>
+                <a:latin typeface="Abadi" panose="020B0604020104020204" pitchFamily="34" charset="0"/>
+              </a:rPr>
+              <a:t>OPEN :</a:t>
+            </a:r>
+          </a:p>
+          <a:p>
+            <a:pPr marL="285750" indent="-285750">
+              <a:buFontTx/>
+              <a:buChar char="-"/>
+            </a:pPr>
+            <a:r>
+              <a:rPr lang="en-US" dirty="0">
+                <a:solidFill>
+                  <a:schemeClr val="tx1">
+                    <a:lumMod val="65000"/>
+                    <a:lumOff val="35000"/>
+                  </a:schemeClr>
+                </a:solidFill>
+                <a:latin typeface="Abadi" panose="020B0604020104020204" pitchFamily="34" charset="0"/>
+              </a:rPr>
+              <a:t>Label „playbook errors“ manually? Label at all? Semi-supervised? Reinforcement Approach? </a:t>
+            </a:r>
+          </a:p>
+          <a:p>
+            <a:pPr marL="285750" indent="-285750">
+              <a:buFontTx/>
+              <a:buChar char="-"/>
+            </a:pPr>
+            <a:r>
+              <a:rPr lang="en-US" dirty="0">
+                <a:solidFill>
+                  <a:schemeClr val="tx1">
+                    <a:lumMod val="65000"/>
+                    <a:lumOff val="35000"/>
+                  </a:schemeClr>
+                </a:solidFill>
+                <a:latin typeface="Abadi" panose="020B0604020104020204" pitchFamily="34" charset="0"/>
+              </a:rPr>
+              <a:t>Model: Classify with confidence? Without?</a:t>
+            </a:r>
+          </a:p>
+          <a:p>
+            <a:pPr marL="285750" indent="-285750">
+              <a:buFontTx/>
+              <a:buChar char="-"/>
+            </a:pPr>
+            <a:r>
+              <a:rPr lang="en-US" dirty="0">
+                <a:solidFill>
+                  <a:schemeClr val="tx1">
+                    <a:lumMod val="65000"/>
+                    <a:lumOff val="35000"/>
+                  </a:schemeClr>
+                </a:solidFill>
+                <a:latin typeface="Abadi" panose="020B0604020104020204" pitchFamily="34" charset="0"/>
+              </a:rPr>
+              <a:t>Performance optimization for preprocessing and labeling script</a:t>
+            </a:r>
+          </a:p>
+          <a:p>
+            <a:pPr marL="285750" indent="-285750">
+              <a:buFontTx/>
+              <a:buChar char="-"/>
+            </a:pPr>
+            <a:r>
+              <a:rPr lang="en-US" dirty="0">
+                <a:solidFill>
+                  <a:schemeClr val="tx1">
+                    <a:lumMod val="65000"/>
+                    <a:lumOff val="35000"/>
+                  </a:schemeClr>
+                </a:solidFill>
+                <a:latin typeface="Abadi" panose="020B0604020104020204" pitchFamily="34" charset="0"/>
+              </a:rPr>
+              <a:t>Improve downloading script (List, download multiple)</a:t>
+            </a:r>
+          </a:p>
+          <a:p>
+            <a:pPr marL="285750" indent="-285750">
+              <a:buFontTx/>
+              <a:buChar char="-"/>
+            </a:pPr>
+            <a:r>
+              <a:rPr lang="en-US" dirty="0">
+                <a:solidFill>
+                  <a:schemeClr val="tx1">
+                    <a:lumMod val="65000"/>
+                    <a:lumOff val="35000"/>
+                  </a:schemeClr>
+                </a:solidFill>
+                <a:latin typeface="Abadi" panose="020B0604020104020204" pitchFamily="34" charset="0"/>
+              </a:rPr>
+              <a:t>Get to know B-Ilda 4 (JC-31 Builder with RTX A4000) &amp; start downloading</a:t>
+            </a:r>
+          </a:p>
+        </p:txBody>
+      </p:sp>
+      <p:sp>
+        <p:nvSpPr>
+          <p:cNvPr id="6" name="TextBox 5">
+            <a:extLst>
+              <a:ext uri="{FF2B5EF4-FFF2-40B4-BE49-F238E27FC236}">
+                <a16:creationId xmlns:a16="http://schemas.microsoft.com/office/drawing/2014/main" id="{BCEB8588-081A-F2B8-4C4A-AAF3B6F525B5}"/>
+              </a:ext>
+            </a:extLst>
+          </p:cNvPr>
+          <p:cNvSpPr txBox="1"/>
+          <p:nvPr/>
+        </p:nvSpPr>
+        <p:spPr>
+          <a:xfrm>
+            <a:off x="478972" y="1024293"/>
+            <a:ext cx="9248502" cy="1384995"/>
+          </a:xfrm>
+          <a:prstGeom prst="rect">
+            <a:avLst/>
+          </a:prstGeom>
+        </p:spPr>
+        <p:txBody>
+          <a:bodyPr vert="horz" wrap="square" lIns="0" tIns="0" rIns="0" bIns="0" rtlCol="0">
+            <a:spAutoFit/>
+          </a:bodyPr>
+          <a:lstStyle/>
+          <a:p>
+            <a:r>
+              <a:rPr lang="en-US" dirty="0">
+                <a:solidFill>
+                  <a:schemeClr val="tx1">
+                    <a:lumMod val="65000"/>
+                    <a:lumOff val="35000"/>
+                  </a:schemeClr>
+                </a:solidFill>
+                <a:latin typeface="Abadi" panose="020B0604020104020204" pitchFamily="34" charset="0"/>
+              </a:rPr>
+              <a:t>PROGRESS:</a:t>
+            </a:r>
+          </a:p>
+          <a:p>
+            <a:pPr marL="285750" indent="-285750">
+              <a:buFontTx/>
+              <a:buChar char="-"/>
+            </a:pPr>
+            <a:r>
+              <a:rPr lang="en-US" b="1" dirty="0">
+                <a:solidFill>
+                  <a:schemeClr val="tx1">
+                    <a:lumMod val="65000"/>
+                    <a:lumOff val="35000"/>
+                  </a:schemeClr>
+                </a:solidFill>
+                <a:latin typeface="Abadi" panose="020B0604020104020204" pitchFamily="34" charset="0"/>
+              </a:rPr>
+              <a:t>Created a working Model ( TODO: switch to custom Tokenizer) </a:t>
+            </a:r>
+            <a:endParaRPr lang="en-US" dirty="0">
+              <a:solidFill>
+                <a:schemeClr val="tx1">
+                  <a:lumMod val="65000"/>
+                  <a:lumOff val="35000"/>
+                </a:schemeClr>
+              </a:solidFill>
+              <a:latin typeface="Abadi" panose="020B0604020104020204" pitchFamily="34" charset="0"/>
+            </a:endParaRPr>
+          </a:p>
+          <a:p>
+            <a:pPr lvl="1"/>
+            <a:endParaRPr lang="en-US" dirty="0">
+              <a:solidFill>
+                <a:schemeClr val="tx1">
+                  <a:lumMod val="65000"/>
+                  <a:lumOff val="35000"/>
+                </a:schemeClr>
+              </a:solidFill>
+              <a:latin typeface="Abadi" panose="020B0604020104020204" pitchFamily="34" charset="0"/>
+            </a:endParaRPr>
+          </a:p>
+          <a:p>
+            <a:pPr marL="800100" lvl="1" indent="-342900">
+              <a:buAutoNum type="arabicPeriod"/>
+            </a:pPr>
+            <a:endParaRPr lang="en-US" dirty="0">
+              <a:solidFill>
+                <a:schemeClr val="tx1">
+                  <a:lumMod val="65000"/>
+                  <a:lumOff val="35000"/>
+                </a:schemeClr>
+              </a:solidFill>
+              <a:latin typeface="Abadi" panose="020B0604020104020204" pitchFamily="34" charset="0"/>
+            </a:endParaRPr>
+          </a:p>
+          <a:p>
+            <a:pPr marL="0" indent="0" algn="l" defTabSz="914400" rtl="0" eaLnBrk="1" latinLnBrk="0" hangingPunct="1">
+              <a:lnSpc>
+                <a:spcPct val="100000"/>
+              </a:lnSpc>
+              <a:spcBef>
+                <a:spcPts val="0"/>
+              </a:spcBef>
+              <a:spcAft>
+                <a:spcPts val="600"/>
+              </a:spcAft>
+              <a:buClr>
+                <a:schemeClr val="tx2"/>
+              </a:buClr>
+              <a:buFontTx/>
+              <a:buNone/>
+            </a:pPr>
+            <a:endParaRPr lang="en-US" sz="1800" kern="1200" dirty="0" err="1">
+              <a:solidFill>
+                <a:schemeClr val="tx1">
+                  <a:lumMod val="65000"/>
+                  <a:lumOff val="35000"/>
+                </a:schemeClr>
+              </a:solidFill>
+              <a:latin typeface="Abadi" panose="020B0604020104020204" pitchFamily="34" charset="0"/>
+            </a:endParaRPr>
+          </a:p>
+        </p:txBody>
+      </p:sp>
+      <p:pic>
+        <p:nvPicPr>
+          <p:cNvPr id="7" name="Picture 6">
+            <a:extLst>
+              <a:ext uri="{FF2B5EF4-FFF2-40B4-BE49-F238E27FC236}">
+                <a16:creationId xmlns:a16="http://schemas.microsoft.com/office/drawing/2014/main" id="{1990CAFB-B8B0-4DBB-7261-EE67ADDF74D3}"/>
+              </a:ext>
+            </a:extLst>
+          </p:cNvPr>
+          <p:cNvPicPr>
+            <a:picLocks noChangeAspect="1"/>
+          </p:cNvPicPr>
+          <p:nvPr/>
+        </p:nvPicPr>
+        <p:blipFill>
+          <a:blip r:embed="rId3"/>
+          <a:stretch>
+            <a:fillRect/>
+          </a:stretch>
+        </p:blipFill>
+        <p:spPr>
+          <a:xfrm>
+            <a:off x="7366415" y="908877"/>
+            <a:ext cx="4372585" cy="3258005"/>
+          </a:xfrm>
+          <a:prstGeom prst="rect">
+            <a:avLst/>
+          </a:prstGeom>
+        </p:spPr>
+      </p:pic>
+    </p:spTree>
+    <p:extLst>
+      <p:ext uri="{BB962C8B-B14F-4D97-AF65-F5344CB8AC3E}">
+        <p14:creationId xmlns:p14="http://schemas.microsoft.com/office/powerpoint/2010/main" val="4161089185"/>
       </p:ext>
     </p:extLst>
   </p:cSld>
